--- a/pt/ProgrammingLessons/DistanceSensor.pptx
+++ b/pt/ProgrammingLessons/DistanceSensor.pptx
@@ -136,6 +136,261 @@
 </p:presentation>
 </file>
 
+<file path=ppt/revisionInfo.xml><?xml version="1.0" encoding="utf-8"?>
+<p1510:revInfo xmlns:a="http://schemas.openxmlformats.org/drawingml/2006/main" xmlns:r="http://schemas.openxmlformats.org/officeDocument/2006/relationships" xmlns:p1510="http://schemas.microsoft.com/office/powerpoint/2015/10/main">
+  <p1510:revLst>
+    <p1510:client id="{0BEC76CD-D25E-42A1-980D-437B26191A0B}" v="6" dt="2020-07-13T04:04:02.127"/>
+  </p1510:revLst>
+</p1510:revInfo>
+</file>
+
+<file path=ppt/changesInfos/changesInfo1.xml><?xml version="1.0" encoding="utf-8"?>
+<pc:chgInfo xmlns:a="http://schemas.openxmlformats.org/drawingml/2006/main" xmlns:r="http://schemas.openxmlformats.org/officeDocument/2006/relationships" xmlns:ac="http://schemas.microsoft.com/office/drawing/2013/main/command" xmlns:pc="http://schemas.microsoft.com/office/powerpoint/2013/main/command">
+  <pc:docChgLst>
+    <pc:chgData name="Anderson Harayashiki Moreira" userId="07ffc975ff648281" providerId="LiveId" clId="{0BEC76CD-D25E-42A1-980D-437B26191A0B}"/>
+    <pc:docChg chg="custSel modSld">
+      <pc:chgData name="Anderson Harayashiki Moreira" userId="07ffc975ff648281" providerId="LiveId" clId="{0BEC76CD-D25E-42A1-980D-437B26191A0B}" dt="2020-07-13T04:04:02.127" v="171"/>
+      <pc:docMkLst>
+        <pc:docMk/>
+      </pc:docMkLst>
+      <pc:sldChg chg="addSp delSp">
+        <pc:chgData name="Anderson Harayashiki Moreira" userId="07ffc975ff648281" providerId="LiveId" clId="{0BEC76CD-D25E-42A1-980D-437B26191A0B}" dt="2020-07-13T04:04:02.127" v="171"/>
+        <pc:sldMkLst>
+          <pc:docMk/>
+          <pc:sldMk cId="675085363" sldId="257"/>
+        </pc:sldMkLst>
+        <pc:spChg chg="del">
+          <ac:chgData name="Anderson Harayashiki Moreira" userId="07ffc975ff648281" providerId="LiveId" clId="{0BEC76CD-D25E-42A1-980D-437B26191A0B}" dt="2020-07-13T04:04:01.434" v="170" actId="478"/>
+          <ac:spMkLst>
+            <pc:docMk/>
+            <pc:sldMk cId="675085363" sldId="257"/>
+            <ac:spMk id="4" creationId="{00000000-0000-0000-0000-000000000000}"/>
+          </ac:spMkLst>
+        </pc:spChg>
+        <pc:spChg chg="add">
+          <ac:chgData name="Anderson Harayashiki Moreira" userId="07ffc975ff648281" providerId="LiveId" clId="{0BEC76CD-D25E-42A1-980D-437B26191A0B}" dt="2020-07-13T04:04:02.127" v="171"/>
+          <ac:spMkLst>
+            <pc:docMk/>
+            <pc:sldMk cId="675085363" sldId="257"/>
+            <ac:spMk id="8" creationId="{D55A6A70-EED0-4445-A73B-AD01BC8E1BA8}"/>
+          </ac:spMkLst>
+        </pc:spChg>
+      </pc:sldChg>
+      <pc:sldChg chg="addSp delSp modSp">
+        <pc:chgData name="Anderson Harayashiki Moreira" userId="07ffc975ff648281" providerId="LiveId" clId="{0BEC76CD-D25E-42A1-980D-437B26191A0B}" dt="2020-07-13T04:03:58.768" v="169"/>
+        <pc:sldMkLst>
+          <pc:docMk/>
+          <pc:sldMk cId="2101563819" sldId="282"/>
+        </pc:sldMkLst>
+        <pc:spChg chg="del">
+          <ac:chgData name="Anderson Harayashiki Moreira" userId="07ffc975ff648281" providerId="LiveId" clId="{0BEC76CD-D25E-42A1-980D-437B26191A0B}" dt="2020-07-13T04:03:58.178" v="168" actId="478"/>
+          <ac:spMkLst>
+            <pc:docMk/>
+            <pc:sldMk cId="2101563819" sldId="282"/>
+            <ac:spMk id="4" creationId="{5D537FE9-7847-4B91-95F5-564B8DEECEDF}"/>
+          </ac:spMkLst>
+        </pc:spChg>
+        <pc:spChg chg="add">
+          <ac:chgData name="Anderson Harayashiki Moreira" userId="07ffc975ff648281" providerId="LiveId" clId="{0BEC76CD-D25E-42A1-980D-437B26191A0B}" dt="2020-07-13T04:03:58.768" v="169"/>
+          <ac:spMkLst>
+            <pc:docMk/>
+            <pc:sldMk cId="2101563819" sldId="282"/>
+            <ac:spMk id="7" creationId="{841A07B4-68E8-4CBD-89DD-4AC8AA796ECE}"/>
+          </ac:spMkLst>
+        </pc:spChg>
+        <pc:spChg chg="mod">
+          <ac:chgData name="Anderson Harayashiki Moreira" userId="07ffc975ff648281" providerId="LiveId" clId="{0BEC76CD-D25E-42A1-980D-437B26191A0B}" dt="2020-07-13T03:58:52.538" v="38" actId="20577"/>
+          <ac:spMkLst>
+            <pc:docMk/>
+            <pc:sldMk cId="2101563819" sldId="282"/>
+            <ac:spMk id="13" creationId="{D26EA95B-5BBE-4D2F-881C-EC2D7679C66A}"/>
+          </ac:spMkLst>
+        </pc:spChg>
+        <pc:picChg chg="mod">
+          <ac:chgData name="Anderson Harayashiki Moreira" userId="07ffc975ff648281" providerId="LiveId" clId="{0BEC76CD-D25E-42A1-980D-437B26191A0B}" dt="2020-07-13T03:57:47.307" v="31" actId="1038"/>
+          <ac:picMkLst>
+            <pc:docMk/>
+            <pc:sldMk cId="2101563819" sldId="282"/>
+            <ac:picMk id="6" creationId="{5408F1E8-EB61-4832-B571-7DBDC2360483}"/>
+          </ac:picMkLst>
+        </pc:picChg>
+      </pc:sldChg>
+      <pc:sldChg chg="addSp delSp modSp">
+        <pc:chgData name="Anderson Harayashiki Moreira" userId="07ffc975ff648281" providerId="LiveId" clId="{0BEC76CD-D25E-42A1-980D-437B26191A0B}" dt="2020-07-13T04:03:55.709" v="167"/>
+        <pc:sldMkLst>
+          <pc:docMk/>
+          <pc:sldMk cId="1778694702" sldId="283"/>
+        </pc:sldMkLst>
+        <pc:spChg chg="mod">
+          <ac:chgData name="Anderson Harayashiki Moreira" userId="07ffc975ff648281" providerId="LiveId" clId="{0BEC76CD-D25E-42A1-980D-437B26191A0B}" dt="2020-07-13T03:59:07.378" v="42" actId="20577"/>
+          <ac:spMkLst>
+            <pc:docMk/>
+            <pc:sldMk cId="1778694702" sldId="283"/>
+            <ac:spMk id="2" creationId="{DD2DB529-6322-4163-B7BB-C26CB145487D}"/>
+          </ac:spMkLst>
+        </pc:spChg>
+        <pc:spChg chg="mod">
+          <ac:chgData name="Anderson Harayashiki Moreira" userId="07ffc975ff648281" providerId="LiveId" clId="{0BEC76CD-D25E-42A1-980D-437B26191A0B}" dt="2020-07-13T03:59:23.784" v="43" actId="20577"/>
+          <ac:spMkLst>
+            <pc:docMk/>
+            <pc:sldMk cId="1778694702" sldId="283"/>
+            <ac:spMk id="3" creationId="{F7C09D69-8080-49F0-83A7-CE01031A9448}"/>
+          </ac:spMkLst>
+        </pc:spChg>
+        <pc:spChg chg="del">
+          <ac:chgData name="Anderson Harayashiki Moreira" userId="07ffc975ff648281" providerId="LiveId" clId="{0BEC76CD-D25E-42A1-980D-437B26191A0B}" dt="2020-07-13T04:03:55.108" v="166" actId="478"/>
+          <ac:spMkLst>
+            <pc:docMk/>
+            <pc:sldMk cId="1778694702" sldId="283"/>
+            <ac:spMk id="4" creationId="{0CED42F2-83E1-4B1D-AF71-E324E7695CA8}"/>
+          </ac:spMkLst>
+        </pc:spChg>
+        <pc:spChg chg="add">
+          <ac:chgData name="Anderson Harayashiki Moreira" userId="07ffc975ff648281" providerId="LiveId" clId="{0BEC76CD-D25E-42A1-980D-437B26191A0B}" dt="2020-07-13T04:03:55.709" v="167"/>
+          <ac:spMkLst>
+            <pc:docMk/>
+            <pc:sldMk cId="1778694702" sldId="283"/>
+            <ac:spMk id="8" creationId="{6FBAA014-54FC-4F44-A33F-1C9F658D6931}"/>
+          </ac:spMkLst>
+        </pc:spChg>
+      </pc:sldChg>
+      <pc:sldChg chg="addSp delSp modSp">
+        <pc:chgData name="Anderson Harayashiki Moreira" userId="07ffc975ff648281" providerId="LiveId" clId="{0BEC76CD-D25E-42A1-980D-437B26191A0B}" dt="2020-07-13T04:03:53.141" v="165"/>
+        <pc:sldMkLst>
+          <pc:docMk/>
+          <pc:sldMk cId="2608068940" sldId="284"/>
+        </pc:sldMkLst>
+        <pc:spChg chg="mod">
+          <ac:chgData name="Anderson Harayashiki Moreira" userId="07ffc975ff648281" providerId="LiveId" clId="{0BEC76CD-D25E-42A1-980D-437B26191A0B}" dt="2020-07-13T04:01:43.950" v="47" actId="6549"/>
+          <ac:spMkLst>
+            <pc:docMk/>
+            <pc:sldMk cId="2608068940" sldId="284"/>
+            <ac:spMk id="2" creationId="{FC7131B8-A124-4A93-ABD5-B22BFFE056AA}"/>
+          </ac:spMkLst>
+        </pc:spChg>
+        <pc:spChg chg="mod">
+          <ac:chgData name="Anderson Harayashiki Moreira" userId="07ffc975ff648281" providerId="LiveId" clId="{0BEC76CD-D25E-42A1-980D-437B26191A0B}" dt="2020-07-13T04:01:16.745" v="46" actId="20577"/>
+          <ac:spMkLst>
+            <pc:docMk/>
+            <pc:sldMk cId="2608068940" sldId="284"/>
+            <ac:spMk id="3" creationId="{885ECDA4-F61B-43CC-8476-7FAC9E40B46D}"/>
+          </ac:spMkLst>
+        </pc:spChg>
+        <pc:spChg chg="del">
+          <ac:chgData name="Anderson Harayashiki Moreira" userId="07ffc975ff648281" providerId="LiveId" clId="{0BEC76CD-D25E-42A1-980D-437B26191A0B}" dt="2020-07-13T04:03:52.405" v="164" actId="478"/>
+          <ac:spMkLst>
+            <pc:docMk/>
+            <pc:sldMk cId="2608068940" sldId="284"/>
+            <ac:spMk id="4" creationId="{69325A48-9D7A-4696-B0C8-B6078A4DEAEE}"/>
+          </ac:spMkLst>
+        </pc:spChg>
+        <pc:spChg chg="add">
+          <ac:chgData name="Anderson Harayashiki Moreira" userId="07ffc975ff648281" providerId="LiveId" clId="{0BEC76CD-D25E-42A1-980D-437B26191A0B}" dt="2020-07-13T04:03:53.141" v="165"/>
+          <ac:spMkLst>
+            <pc:docMk/>
+            <pc:sldMk cId="2608068940" sldId="284"/>
+            <ac:spMk id="20" creationId="{C33B2DEF-F8E2-4F8F-AF23-2A23CB6F813D}"/>
+          </ac:spMkLst>
+        </pc:spChg>
+      </pc:sldChg>
+      <pc:sldChg chg="addSp delSp modSp">
+        <pc:chgData name="Anderson Harayashiki Moreira" userId="07ffc975ff648281" providerId="LiveId" clId="{0BEC76CD-D25E-42A1-980D-437B26191A0B}" dt="2020-07-13T04:03:50.464" v="163"/>
+        <pc:sldMkLst>
+          <pc:docMk/>
+          <pc:sldMk cId="2688634444" sldId="285"/>
+        </pc:sldMkLst>
+        <pc:spChg chg="del">
+          <ac:chgData name="Anderson Harayashiki Moreira" userId="07ffc975ff648281" providerId="LiveId" clId="{0BEC76CD-D25E-42A1-980D-437B26191A0B}" dt="2020-07-13T04:03:49.797" v="162" actId="478"/>
+          <ac:spMkLst>
+            <pc:docMk/>
+            <pc:sldMk cId="2688634444" sldId="285"/>
+            <ac:spMk id="4" creationId="{7D73271D-6A4E-4703-ACE7-47069DC4FD97}"/>
+          </ac:spMkLst>
+        </pc:spChg>
+        <pc:spChg chg="mod">
+          <ac:chgData name="Anderson Harayashiki Moreira" userId="07ffc975ff648281" providerId="LiveId" clId="{0BEC76CD-D25E-42A1-980D-437B26191A0B}" dt="2020-07-13T04:02:19.452" v="50" actId="1036"/>
+          <ac:spMkLst>
+            <pc:docMk/>
+            <pc:sldMk cId="2688634444" sldId="285"/>
+            <ac:spMk id="6" creationId="{09BD7429-2A71-46E3-8DF8-1838957E3D37}"/>
+          </ac:spMkLst>
+        </pc:spChg>
+        <pc:spChg chg="mod">
+          <ac:chgData name="Anderson Harayashiki Moreira" userId="07ffc975ff648281" providerId="LiveId" clId="{0BEC76CD-D25E-42A1-980D-437B26191A0B}" dt="2020-07-13T04:02:24.869" v="70" actId="1035"/>
+          <ac:spMkLst>
+            <pc:docMk/>
+            <pc:sldMk cId="2688634444" sldId="285"/>
+            <ac:spMk id="7" creationId="{FCFAF738-BF54-45E6-8DB0-F7FB66D33116}"/>
+          </ac:spMkLst>
+        </pc:spChg>
+        <pc:spChg chg="mod">
+          <ac:chgData name="Anderson Harayashiki Moreira" userId="07ffc975ff648281" providerId="LiveId" clId="{0BEC76CD-D25E-42A1-980D-437B26191A0B}" dt="2020-07-13T04:02:57.531" v="107" actId="1035"/>
+          <ac:spMkLst>
+            <pc:docMk/>
+            <pc:sldMk cId="2688634444" sldId="285"/>
+            <ac:spMk id="8" creationId="{81505505-A628-476D-984F-1B3E42480E54}"/>
+          </ac:spMkLst>
+        </pc:spChg>
+        <pc:spChg chg="add">
+          <ac:chgData name="Anderson Harayashiki Moreira" userId="07ffc975ff648281" providerId="LiveId" clId="{0BEC76CD-D25E-42A1-980D-437B26191A0B}" dt="2020-07-13T04:03:50.464" v="163"/>
+          <ac:spMkLst>
+            <pc:docMk/>
+            <pc:sldMk cId="2688634444" sldId="285"/>
+            <ac:spMk id="9" creationId="{324492A4-E107-4FD5-B865-287D60E31B8B}"/>
+          </ac:spMkLst>
+        </pc:spChg>
+      </pc:sldChg>
+      <pc:sldChg chg="addSp delSp">
+        <pc:chgData name="Anderson Harayashiki Moreira" userId="07ffc975ff648281" providerId="LiveId" clId="{0BEC76CD-D25E-42A1-980D-437B26191A0B}" dt="2020-07-13T04:03:47.645" v="161"/>
+        <pc:sldMkLst>
+          <pc:docMk/>
+          <pc:sldMk cId="2825433132" sldId="286"/>
+        </pc:sldMkLst>
+        <pc:spChg chg="del">
+          <ac:chgData name="Anderson Harayashiki Moreira" userId="07ffc975ff648281" providerId="LiveId" clId="{0BEC76CD-D25E-42A1-980D-437B26191A0B}" dt="2020-07-13T04:03:47.278" v="160" actId="478"/>
+          <ac:spMkLst>
+            <pc:docMk/>
+            <pc:sldMk cId="2825433132" sldId="286"/>
+            <ac:spMk id="4" creationId="{3A1309D1-9271-47FE-BA26-515068749860}"/>
+          </ac:spMkLst>
+        </pc:spChg>
+        <pc:spChg chg="add">
+          <ac:chgData name="Anderson Harayashiki Moreira" userId="07ffc975ff648281" providerId="LiveId" clId="{0BEC76CD-D25E-42A1-980D-437B26191A0B}" dt="2020-07-13T04:03:47.645" v="161"/>
+          <ac:spMkLst>
+            <pc:docMk/>
+            <pc:sldMk cId="2825433132" sldId="286"/>
+            <ac:spMk id="17" creationId="{F60B91DA-C413-49A9-ADBE-12F765FF3ABC}"/>
+          </ac:spMkLst>
+        </pc:spChg>
+      </pc:sldChg>
+      <pc:sldChg chg="modSp">
+        <pc:chgData name="Anderson Harayashiki Moreira" userId="07ffc975ff648281" providerId="LiveId" clId="{0BEC76CD-D25E-42A1-980D-437B26191A0B}" dt="2020-07-13T04:03:36.993" v="159" actId="20577"/>
+        <pc:sldMkLst>
+          <pc:docMk/>
+          <pc:sldMk cId="3392129947" sldId="288"/>
+        </pc:sldMkLst>
+        <pc:spChg chg="mod">
+          <ac:chgData name="Anderson Harayashiki Moreira" userId="07ffc975ff648281" providerId="LiveId" clId="{0BEC76CD-D25E-42A1-980D-437B26191A0B}" dt="2020-07-13T04:03:23.974" v="153" actId="20577"/>
+          <ac:spMkLst>
+            <pc:docMk/>
+            <pc:sldMk cId="3392129947" sldId="288"/>
+            <ac:spMk id="3" creationId="{00000000-0000-0000-0000-000000000000}"/>
+          </ac:spMkLst>
+        </pc:spChg>
+        <pc:spChg chg="mod">
+          <ac:chgData name="Anderson Harayashiki Moreira" userId="07ffc975ff648281" providerId="LiveId" clId="{0BEC76CD-D25E-42A1-980D-437B26191A0B}" dt="2020-07-13T04:03:36.993" v="159" actId="20577"/>
+          <ac:spMkLst>
+            <pc:docMk/>
+            <pc:sldMk cId="3392129947" sldId="288"/>
+            <ac:spMk id="4" creationId="{00000000-0000-0000-0000-000000000000}"/>
+          </ac:spMkLst>
+        </pc:spChg>
+      </pc:sldChg>
+    </pc:docChg>
+  </pc:docChgLst>
+</pc:chgInfo>
+</file>
+
 <file path=ppt/handoutMasters/handoutMaster1.xml><?xml version="1.0" encoding="utf-8"?>
 <p:handoutMaster xmlns:a="http://schemas.openxmlformats.org/drawingml/2006/main" xmlns:r="http://schemas.openxmlformats.org/officeDocument/2006/relationships" xmlns:p="http://schemas.openxmlformats.org/presentationml/2006/main">
   <p:cSld>
@@ -218,7 +473,7 @@
           <a:p>
             <a:fld id="{58040048-1E4D-CD41-AC49-0750EB72586B}" type="datetimeFigureOut">
               <a:rPr lang="en-US" smtClean="0"/>
-              <a:t>6/9/2020</a:t>
+              <a:t>7/13/2020</a:t>
             </a:fld>
             <a:endParaRPr lang="en-US" dirty="0"/>
           </a:p>
@@ -384,7 +639,7 @@
           <a:p>
             <a:fld id="{2B8484CF-5098-F24E-8881-583515D5C406}" type="datetimeFigureOut">
               <a:rPr lang="en-US" smtClean="0"/>
-              <a:t>6/9/2020</a:t>
+              <a:t>7/13/2020</a:t>
             </a:fld>
             <a:endParaRPr lang="en-US" dirty="0"/>
           </a:p>
@@ -5605,28 +5860,6 @@
       </p:sp>
       <p:sp>
         <p:nvSpPr>
-          <p:cNvPr id="4" name="Footer Placeholder 3"/>
-          <p:cNvSpPr>
-            <a:spLocks noGrp="1"/>
-          </p:cNvSpPr>
-          <p:nvPr>
-            <p:ph type="ftr" sz="quarter" idx="11"/>
-          </p:nvPr>
-        </p:nvSpPr>
-        <p:spPr/>
-        <p:txBody>
-          <a:bodyPr/>
-          <a:lstStyle/>
-          <a:p>
-            <a:r>
-              <a:rPr lang="en-US" dirty="0"/>
-              <a:t>Copyright © 2020 SPIKE Prime Lessons (primelessons.org) CC-BY-NC-SA.  (Last edit: 1/9/2020)</a:t>
-            </a:r>
-          </a:p>
-        </p:txBody>
-      </p:sp>
-      <p:sp>
-        <p:nvSpPr>
           <p:cNvPr id="7" name="Slide Number Placeholder 6">
             <a:extLst>
               <a:ext uri="{FF2B5EF4-FFF2-40B4-BE49-F238E27FC236}">
@@ -5683,6 +5916,39 @@
           </a:prstGeom>
         </p:spPr>
       </p:pic>
+      <p:sp>
+        <p:nvSpPr>
+          <p:cNvPr id="8" name="Footer Placeholder 3">
+            <a:extLst>
+              <a:ext uri="{FF2B5EF4-FFF2-40B4-BE49-F238E27FC236}">
+                <a16:creationId xmlns:a16="http://schemas.microsoft.com/office/drawing/2014/main" id="{D55A6A70-EED0-4445-A73B-AD01BC8E1BA8}"/>
+              </a:ext>
+            </a:extLst>
+          </p:cNvPr>
+          <p:cNvSpPr>
+            <a:spLocks noGrp="1"/>
+          </p:cNvSpPr>
+          <p:nvPr>
+            <p:ph type="ftr" sz="quarter" idx="11"/>
+          </p:nvPr>
+        </p:nvSpPr>
+        <p:spPr>
+          <a:xfrm>
+            <a:off x="88409" y="6321349"/>
+            <a:ext cx="4870585" cy="365125"/>
+          </a:xfrm>
+        </p:spPr>
+        <p:txBody>
+          <a:bodyPr/>
+          <a:lstStyle/>
+          <a:p>
+            <a:r>
+              <a:rPr lang="en-US" dirty="0"/>
+              <a:t>Copyright © 2020 SPIKE Prime Lessons (primelessons.org) CC-BY-NC-SA.  (Last edit: 07/13/2020)</a:t>
+            </a:r>
+          </a:p>
+        </p:txBody>
+      </p:sp>
     </p:spTree>
     <p:extLst>
       <p:ext uri="{BB962C8B-B14F-4D97-AF65-F5344CB8AC3E}">
@@ -5739,34 +6005,6 @@
             <a:r>
               <a:rPr lang="en-US" dirty="0"/>
               <a:t>O que é um sensor distância?</a:t>
-            </a:r>
-          </a:p>
-        </p:txBody>
-      </p:sp>
-      <p:sp>
-        <p:nvSpPr>
-          <p:cNvPr id="4" name="Footer Placeholder 3">
-            <a:extLst>
-              <a:ext uri="{FF2B5EF4-FFF2-40B4-BE49-F238E27FC236}">
-                <a16:creationId xmlns:a16="http://schemas.microsoft.com/office/drawing/2014/main" id="{5D537FE9-7847-4B91-95F5-564B8DEECEDF}"/>
-              </a:ext>
-            </a:extLst>
-          </p:cNvPr>
-          <p:cNvSpPr>
-            <a:spLocks noGrp="1"/>
-          </p:cNvSpPr>
-          <p:nvPr>
-            <p:ph type="ftr" sz="quarter" idx="11"/>
-          </p:nvPr>
-        </p:nvSpPr>
-        <p:spPr/>
-        <p:txBody>
-          <a:bodyPr/>
-          <a:lstStyle/>
-          <a:p>
-            <a:r>
-              <a:rPr lang="en-US" dirty="0"/>
-              <a:t>Copyright © 2020 SPIKE Prime Lessons (primelessons.org) CC-BY-NC-SA.  (Last edit: 1/9/2020)</a:t>
             </a:r>
           </a:p>
         </p:txBody>
@@ -6028,27 +6266,31 @@
             </a:lvl9pPr>
           </a:lstStyle>
           <a:p>
+            <a:pPr algn="just"/>
             <a:r>
               <a:rPr lang="pt-BR" dirty="0"/>
-              <a:t>Ele mede a distância até um objeto ou superfície usando a tecnologia de ultrassons</a:t>
-            </a:r>
-          </a:p>
-          <a:p>
+              <a:t>Ele mede a distância até um objeto ou superfície usando a tecnologia de ultrassom</a:t>
+            </a:r>
+          </a:p>
+          <a:p>
+            <a:pPr algn="just"/>
             <a:r>
               <a:rPr lang="pt-BR" dirty="0"/>
-              <a:t>Existem também luzes ao redor do sensor ultrassônico (4 segmentos) que podem ser programadas individualmente (consulte a lição luzes)</a:t>
-            </a:r>
-          </a:p>
-          <a:p>
+              <a:t>Existem também luzes ao redor do sensor ultrassônico (4 segmentos) que podem ser programadas individualmente (consulte a lição Luzes)</a:t>
+            </a:r>
+          </a:p>
+          <a:p>
+            <a:pPr algn="just"/>
             <a:r>
               <a:rPr lang="pt-BR" dirty="0"/>
-              <a:t>O sensor pode ler distancias entre 50 e 2000mm.</a:t>
-            </a:r>
-          </a:p>
-          <a:p>
+              <a:t>O sensor pode ler distâncias entre 50 e 2000 mm.</a:t>
+            </a:r>
+          </a:p>
+          <a:p>
+            <a:pPr algn="just"/>
             <a:r>
               <a:rPr lang="pt-BR" dirty="0"/>
-              <a:t>Existe uma capacidade de leitura rápida entre 50 e 300mm</a:t>
+              <a:t>Existe uma capacidade de leitura rápida entre 50 e 300 mm</a:t>
             </a:r>
           </a:p>
         </p:txBody>
@@ -6074,7 +6316,7 @@
         </p:blipFill>
         <p:spPr>
           <a:xfrm>
-            <a:off x="4889634" y="1617043"/>
+            <a:off x="5144604" y="1617043"/>
             <a:ext cx="3837652" cy="2541071"/>
           </a:xfrm>
           <a:prstGeom prst="rect">
@@ -6082,6 +6324,39 @@
           </a:prstGeom>
         </p:spPr>
       </p:pic>
+      <p:sp>
+        <p:nvSpPr>
+          <p:cNvPr id="7" name="Footer Placeholder 3">
+            <a:extLst>
+              <a:ext uri="{FF2B5EF4-FFF2-40B4-BE49-F238E27FC236}">
+                <a16:creationId xmlns:a16="http://schemas.microsoft.com/office/drawing/2014/main" id="{841A07B4-68E8-4CBD-89DD-4AC8AA796ECE}"/>
+              </a:ext>
+            </a:extLst>
+          </p:cNvPr>
+          <p:cNvSpPr>
+            <a:spLocks noGrp="1"/>
+          </p:cNvSpPr>
+          <p:nvPr>
+            <p:ph type="ftr" sz="quarter" idx="11"/>
+          </p:nvPr>
+        </p:nvSpPr>
+        <p:spPr>
+          <a:xfrm>
+            <a:off x="88409" y="6321349"/>
+            <a:ext cx="4870585" cy="365125"/>
+          </a:xfrm>
+        </p:spPr>
+        <p:txBody>
+          <a:bodyPr/>
+          <a:lstStyle/>
+          <a:p>
+            <a:r>
+              <a:rPr lang="en-US" dirty="0"/>
+              <a:t>Copyright © 2020 SPIKE Prime Lessons (primelessons.org) CC-BY-NC-SA.  (Last edit: 07/13/2020)</a:t>
+            </a:r>
+          </a:p>
+        </p:txBody>
+      </p:sp>
     </p:spTree>
     <p:extLst>
       <p:ext uri="{BB962C8B-B14F-4D97-AF65-F5344CB8AC3E}">
@@ -6137,7 +6412,15 @@
           <a:p>
             <a:r>
               <a:rPr lang="en-US" dirty="0"/>
-              <a:t>Como programar o sensor de distância</a:t>
+              <a:t>Como </a:t>
+            </a:r>
+            <a:r>
+              <a:rPr lang="en-US" dirty="0" err="1"/>
+              <a:t>programar</a:t>
+            </a:r>
+            <a:r>
+              <a:rPr lang="en-US" dirty="0"/>
+              <a:t> com o sensor de distância</a:t>
             </a:r>
           </a:p>
         </p:txBody>
@@ -6172,7 +6455,7 @@
           <a:p>
             <a:r>
               <a:rPr lang="pt-BR" dirty="0"/>
-              <a:t>O sensor ultrassônico lê distâncias a um objeto ou superfície utilizando ultrassons.</a:t>
+              <a:t>O sensor ultrassônico lê distâncias a um objeto ou superfície utilizando ultrassom.</a:t>
             </a:r>
           </a:p>
           <a:p>
@@ -6185,34 +6468,6 @@
             <a:r>
               <a:rPr lang="pt-BR" dirty="0"/>
               <a:t>As unidades usadas podem ser: porcentagem, centímetros ou polegadas.</a:t>
-            </a:r>
-          </a:p>
-        </p:txBody>
-      </p:sp>
-      <p:sp>
-        <p:nvSpPr>
-          <p:cNvPr id="4" name="Footer Placeholder 3">
-            <a:extLst>
-              <a:ext uri="{FF2B5EF4-FFF2-40B4-BE49-F238E27FC236}">
-                <a16:creationId xmlns:a16="http://schemas.microsoft.com/office/drawing/2014/main" id="{0CED42F2-83E1-4B1D-AF71-E324E7695CA8}"/>
-              </a:ext>
-            </a:extLst>
-          </p:cNvPr>
-          <p:cNvSpPr>
-            <a:spLocks noGrp="1"/>
-          </p:cNvSpPr>
-          <p:nvPr>
-            <p:ph type="ftr" sz="quarter" idx="11"/>
-          </p:nvPr>
-        </p:nvSpPr>
-        <p:spPr/>
-        <p:txBody>
-          <a:bodyPr/>
-          <a:lstStyle/>
-          <a:p>
-            <a:r>
-              <a:rPr lang="en-US" dirty="0"/>
-              <a:t>Copyright © 2020 SPIKE Prime Lessons (primelessons.org) CC-BY-NC-SA.  (Last edit: 1/9/2020)</a:t>
             </a:r>
           </a:p>
         </p:txBody>
@@ -6306,6 +6561,39 @@
           </a:prstGeom>
         </p:spPr>
       </p:pic>
+      <p:sp>
+        <p:nvSpPr>
+          <p:cNvPr id="8" name="Footer Placeholder 3">
+            <a:extLst>
+              <a:ext uri="{FF2B5EF4-FFF2-40B4-BE49-F238E27FC236}">
+                <a16:creationId xmlns:a16="http://schemas.microsoft.com/office/drawing/2014/main" id="{6FBAA014-54FC-4F44-A33F-1C9F658D6931}"/>
+              </a:ext>
+            </a:extLst>
+          </p:cNvPr>
+          <p:cNvSpPr>
+            <a:spLocks noGrp="1"/>
+          </p:cNvSpPr>
+          <p:nvPr>
+            <p:ph type="ftr" sz="quarter" idx="11"/>
+          </p:nvPr>
+        </p:nvSpPr>
+        <p:spPr>
+          <a:xfrm>
+            <a:off x="88409" y="6321349"/>
+            <a:ext cx="4870585" cy="365125"/>
+          </a:xfrm>
+        </p:spPr>
+        <p:txBody>
+          <a:bodyPr/>
+          <a:lstStyle/>
+          <a:p>
+            <a:r>
+              <a:rPr lang="en-US" dirty="0"/>
+              <a:t>Copyright © 2020 SPIKE Prime Lessons (primelessons.org) CC-BY-NC-SA.  (Last edit: 07/13/2020)</a:t>
+            </a:r>
+          </a:p>
+        </p:txBody>
+      </p:sp>
     </p:spTree>
     <p:extLst>
       <p:ext uri="{BB962C8B-B14F-4D97-AF65-F5344CB8AC3E}">
@@ -6361,7 +6649,15 @@
           <a:p>
             <a:r>
               <a:rPr lang="en-US" dirty="0"/>
-              <a:t>Desafio: Para longe da parede</a:t>
+              <a:t>Desafio: </a:t>
+            </a:r>
+            <a:r>
+              <a:rPr lang="en-US" dirty="0" err="1"/>
+              <a:t>longe</a:t>
+            </a:r>
+            <a:r>
+              <a:rPr lang="en-US" dirty="0"/>
+              <a:t> da parede</a:t>
             </a:r>
           </a:p>
         </p:txBody>
@@ -6394,49 +6690,55 @@
           </a:bodyPr>
           <a:lstStyle/>
           <a:p>
+            <a:pPr algn="just"/>
             <a:r>
               <a:rPr lang="pt-BR" dirty="0"/>
-              <a:t>Você deseja localizar a abertura. Use o Sensor de Distância (montado na lateral do robô como no Droid Bot IV) para localiza-la.</a:t>
-            </a:r>
-          </a:p>
-          <a:p>
+              <a:t>Você deseja localizar a abertura. Use o Sensor de Distância (montado na lateral do robô como no Droid Bot IV) para localizá-la.</a:t>
+            </a:r>
+          </a:p>
+          <a:p>
+            <a:pPr algn="just"/>
             <a:r>
               <a:rPr lang="pt-BR" dirty="0"/>
               <a:t>Programe seu robô para seguir em linha reta a menos que esteja a menos de 20cm da parede.</a:t>
             </a:r>
           </a:p>
           <a:p>
+            <a:pPr algn="just"/>
             <a:r>
               <a:rPr lang="pt-BR" dirty="0"/>
               <a:t>Você deverá usar o bloco Espere até que e a condição lógica do bloco do sensor de distância.</a:t>
             </a:r>
           </a:p>
           <a:p>
-            <a:pPr marL="0" indent="0">
+            <a:pPr marL="0" indent="0" algn="just">
               <a:buNone/>
             </a:pPr>
             <a:endParaRPr lang="pt-BR" dirty="0"/>
           </a:p>
           <a:p>
+            <a:pPr algn="just"/>
             <a:endParaRPr lang="pt-BR" dirty="0"/>
           </a:p>
           <a:p>
+            <a:pPr algn="just"/>
             <a:endParaRPr lang="pt-BR" dirty="0"/>
           </a:p>
           <a:p>
-            <a:pPr marL="0" indent="0">
+            <a:pPr marL="0" indent="0" algn="just">
               <a:buNone/>
             </a:pPr>
             <a:endParaRPr lang="pt-BR" dirty="0"/>
           </a:p>
           <a:p>
+            <a:pPr algn="just"/>
             <a:r>
               <a:rPr lang="pt-BR" b="1" dirty="0"/>
               <a:t>Pseudocódigo:</a:t>
             </a:r>
           </a:p>
           <a:p>
-            <a:pPr lvl="1"/>
+            <a:pPr lvl="1" algn="just"/>
             <a:r>
               <a:rPr lang="pt-BR" dirty="0"/>
               <a:t>Defina os </a:t>
@@ -6451,7 +6753,7 @@
             </a:r>
           </a:p>
           <a:p>
-            <a:pPr lvl="1"/>
+            <a:pPr lvl="1" algn="just"/>
             <a:r>
               <a:rPr lang="pt-BR" dirty="0"/>
               <a:t>Defina a % </a:t>
@@ -6466,7 +6768,7 @@
             </a:r>
           </a:p>
           <a:p>
-            <a:pPr lvl="1"/>
+            <a:pPr lvl="1" algn="just"/>
             <a:r>
               <a:rPr lang="pt-BR" dirty="0"/>
               <a:t>Comece a </a:t>
@@ -6477,7 +6779,7 @@
             </a:r>
           </a:p>
           <a:p>
-            <a:pPr lvl="1"/>
+            <a:pPr lvl="1" algn="just"/>
             <a:r>
               <a:rPr lang="pt-BR" dirty="0"/>
               <a:t>Use o bloco </a:t>
@@ -6488,42 +6790,14 @@
             </a:r>
             <a:r>
               <a:rPr lang="pt-BR" dirty="0"/>
-              <a:t>para detectar se o robô esta a menos de 20cm da parede.</a:t>
-            </a:r>
-          </a:p>
-          <a:p>
-            <a:pPr lvl="1"/>
+              <a:t>para detectar se o robô esta a menos de 20 cm da parede.</a:t>
+            </a:r>
+          </a:p>
+          <a:p>
+            <a:pPr lvl="1" algn="just"/>
             <a:r>
               <a:rPr lang="pt-BR" b="1" dirty="0"/>
               <a:t>Pare de se mover</a:t>
-            </a:r>
-          </a:p>
-        </p:txBody>
-      </p:sp>
-      <p:sp>
-        <p:nvSpPr>
-          <p:cNvPr id="4" name="Footer Placeholder 3">
-            <a:extLst>
-              <a:ext uri="{FF2B5EF4-FFF2-40B4-BE49-F238E27FC236}">
-                <a16:creationId xmlns:a16="http://schemas.microsoft.com/office/drawing/2014/main" id="{69325A48-9D7A-4696-B0C8-B6078A4DEAEE}"/>
-              </a:ext>
-            </a:extLst>
-          </p:cNvPr>
-          <p:cNvSpPr>
-            <a:spLocks noGrp="1"/>
-          </p:cNvSpPr>
-          <p:nvPr>
-            <p:ph type="ftr" sz="quarter" idx="11"/>
-          </p:nvPr>
-        </p:nvSpPr>
-        <p:spPr/>
-        <p:txBody>
-          <a:bodyPr/>
-          <a:lstStyle/>
-          <a:p>
-            <a:r>
-              <a:rPr lang="en-US" dirty="0"/>
-              <a:t>Copyright © 2020 SPIKE Prime Lessons (primelessons.org) CC-BY-NC-SA.  (Last edit: 1/9/2020)</a:t>
             </a:r>
           </a:p>
         </p:txBody>
@@ -7640,6 +7914,39 @@
           </a:prstGeom>
         </p:spPr>
       </p:pic>
+      <p:sp>
+        <p:nvSpPr>
+          <p:cNvPr id="20" name="Footer Placeholder 3">
+            <a:extLst>
+              <a:ext uri="{FF2B5EF4-FFF2-40B4-BE49-F238E27FC236}">
+                <a16:creationId xmlns:a16="http://schemas.microsoft.com/office/drawing/2014/main" id="{C33B2DEF-F8E2-4F8F-AF23-2A23CB6F813D}"/>
+              </a:ext>
+            </a:extLst>
+          </p:cNvPr>
+          <p:cNvSpPr>
+            <a:spLocks noGrp="1"/>
+          </p:cNvSpPr>
+          <p:nvPr>
+            <p:ph type="ftr" sz="quarter" idx="11"/>
+          </p:nvPr>
+        </p:nvSpPr>
+        <p:spPr>
+          <a:xfrm>
+            <a:off x="88409" y="6321349"/>
+            <a:ext cx="4870585" cy="365125"/>
+          </a:xfrm>
+        </p:spPr>
+        <p:txBody>
+          <a:bodyPr/>
+          <a:lstStyle/>
+          <a:p>
+            <a:r>
+              <a:rPr lang="en-US" dirty="0"/>
+              <a:t>Copyright © 2020 SPIKE Prime Lessons (primelessons.org) CC-BY-NC-SA.  (Last edit: 07/13/2020)</a:t>
+            </a:r>
+          </a:p>
+        </p:txBody>
+      </p:sp>
     </p:spTree>
     <p:extLst>
       <p:ext uri="{BB962C8B-B14F-4D97-AF65-F5344CB8AC3E}">
@@ -7732,34 +8039,6 @@
       </p:sp>
       <p:sp>
         <p:nvSpPr>
-          <p:cNvPr id="4" name="Footer Placeholder 3">
-            <a:extLst>
-              <a:ext uri="{FF2B5EF4-FFF2-40B4-BE49-F238E27FC236}">
-                <a16:creationId xmlns:a16="http://schemas.microsoft.com/office/drawing/2014/main" id="{7D73271D-6A4E-4703-ACE7-47069DC4FD97}"/>
-              </a:ext>
-            </a:extLst>
-          </p:cNvPr>
-          <p:cNvSpPr>
-            <a:spLocks noGrp="1"/>
-          </p:cNvSpPr>
-          <p:nvPr>
-            <p:ph type="ftr" sz="quarter" idx="11"/>
-          </p:nvPr>
-        </p:nvSpPr>
-        <p:spPr/>
-        <p:txBody>
-          <a:bodyPr/>
-          <a:lstStyle/>
-          <a:p>
-            <a:r>
-              <a:rPr lang="en-US" dirty="0"/>
-              <a:t>Copyright © 2020 SPIKE Prime Lessons (primelessons.org) CC-BY-NC-SA.  (Last edit: 1/9/2020)</a:t>
-            </a:r>
-          </a:p>
-        </p:txBody>
-      </p:sp>
-      <p:sp>
-        <p:nvSpPr>
           <p:cNvPr id="5" name="Slide Number Placeholder 4">
             <a:extLst>
               <a:ext uri="{FF2B5EF4-FFF2-40B4-BE49-F238E27FC236}">
@@ -7801,7 +8080,7 @@
         </p:nvSpPr>
         <p:spPr>
           <a:xfrm>
-            <a:off x="4350619" y="3009690"/>
+            <a:off x="4350619" y="3022878"/>
             <a:ext cx="3696101" cy="369332"/>
           </a:xfrm>
           <a:prstGeom prst="rect">
@@ -7836,7 +8115,7 @@
         </p:nvSpPr>
         <p:spPr>
           <a:xfrm>
-            <a:off x="4503018" y="3557362"/>
+            <a:off x="4503018" y="3614511"/>
             <a:ext cx="3696101" cy="369332"/>
           </a:xfrm>
           <a:prstGeom prst="rect">
@@ -7871,8 +8150,8 @@
         </p:nvSpPr>
         <p:spPr>
           <a:xfrm>
-            <a:off x="6292014" y="4177580"/>
-            <a:ext cx="2542824" cy="923330"/>
+            <a:off x="6292013" y="4102537"/>
+            <a:ext cx="2768459" cy="646331"/>
           </a:xfrm>
           <a:prstGeom prst="rect">
             <a:avLst/>
@@ -7885,9 +8164,43 @@
           </a:bodyPr>
           <a:lstStyle/>
           <a:p>
+            <a:pPr algn="just"/>
             <a:r>
               <a:rPr lang="en-US" dirty="0"/>
-              <a:t>Espere até que a leitura do sensor seja inferior a 20cm</a:t>
+              <a:t>Espere até que a leitura do sensor seja inferior a 20 cm</a:t>
+            </a:r>
+          </a:p>
+        </p:txBody>
+      </p:sp>
+      <p:sp>
+        <p:nvSpPr>
+          <p:cNvPr id="9" name="Footer Placeholder 3">
+            <a:extLst>
+              <a:ext uri="{FF2B5EF4-FFF2-40B4-BE49-F238E27FC236}">
+                <a16:creationId xmlns:a16="http://schemas.microsoft.com/office/drawing/2014/main" id="{324492A4-E107-4FD5-B865-287D60E31B8B}"/>
+              </a:ext>
+            </a:extLst>
+          </p:cNvPr>
+          <p:cNvSpPr>
+            <a:spLocks noGrp="1"/>
+          </p:cNvSpPr>
+          <p:nvPr>
+            <p:ph type="ftr" sz="quarter" idx="11"/>
+          </p:nvPr>
+        </p:nvSpPr>
+        <p:spPr>
+          <a:xfrm>
+            <a:off x="88409" y="6321349"/>
+            <a:ext cx="4870585" cy="365125"/>
+          </a:xfrm>
+        </p:spPr>
+        <p:txBody>
+          <a:bodyPr/>
+          <a:lstStyle/>
+          <a:p>
+            <a:r>
+              <a:rPr lang="en-US" dirty="0"/>
+              <a:t>Copyright © 2020 SPIKE Prime Lessons (primelessons.org) CC-BY-NC-SA.  (Last edit: 07/13/2020)</a:t>
             </a:r>
           </a:p>
         </p:txBody>
@@ -7979,34 +8292,6 @@
             <a:r>
               <a:rPr lang="pt-BR" dirty="0"/>
               <a:t>Quando achar a abertura, mova o robô para trás e faça-o passar pela abertura.</a:t>
-            </a:r>
-          </a:p>
-        </p:txBody>
-      </p:sp>
-      <p:sp>
-        <p:nvSpPr>
-          <p:cNvPr id="4" name="Footer Placeholder 3">
-            <a:extLst>
-              <a:ext uri="{FF2B5EF4-FFF2-40B4-BE49-F238E27FC236}">
-                <a16:creationId xmlns:a16="http://schemas.microsoft.com/office/drawing/2014/main" id="{3A1309D1-9271-47FE-BA26-515068749860}"/>
-              </a:ext>
-            </a:extLst>
-          </p:cNvPr>
-          <p:cNvSpPr>
-            <a:spLocks noGrp="1"/>
-          </p:cNvSpPr>
-          <p:nvPr>
-            <p:ph type="ftr" sz="quarter" idx="11"/>
-          </p:nvPr>
-        </p:nvSpPr>
-        <p:spPr/>
-        <p:txBody>
-          <a:bodyPr/>
-          <a:lstStyle/>
-          <a:p>
-            <a:r>
-              <a:rPr lang="en-US" dirty="0"/>
-              <a:t>Copyright © 2020 SPIKE Prime Lessons (primelessons.org) CC-BY-NC-SA.  (Last edit: 1/9/2020)</a:t>
             </a:r>
           </a:p>
         </p:txBody>
@@ -9016,6 +9301,39 @@
           </a:fontRef>
         </p:style>
       </p:cxnSp>
+      <p:sp>
+        <p:nvSpPr>
+          <p:cNvPr id="17" name="Footer Placeholder 3">
+            <a:extLst>
+              <a:ext uri="{FF2B5EF4-FFF2-40B4-BE49-F238E27FC236}">
+                <a16:creationId xmlns:a16="http://schemas.microsoft.com/office/drawing/2014/main" id="{F60B91DA-C413-49A9-ADBE-12F765FF3ABC}"/>
+              </a:ext>
+            </a:extLst>
+          </p:cNvPr>
+          <p:cNvSpPr>
+            <a:spLocks noGrp="1"/>
+          </p:cNvSpPr>
+          <p:nvPr>
+            <p:ph type="ftr" sz="quarter" idx="11"/>
+          </p:nvPr>
+        </p:nvSpPr>
+        <p:spPr>
+          <a:xfrm>
+            <a:off x="88409" y="6321349"/>
+            <a:ext cx="4870585" cy="365125"/>
+          </a:xfrm>
+        </p:spPr>
+        <p:txBody>
+          <a:bodyPr/>
+          <a:lstStyle/>
+          <a:p>
+            <a:r>
+              <a:rPr lang="en-US" dirty="0"/>
+              <a:t>Copyright © 2020 SPIKE Prime Lessons (primelessons.org) CC-BY-NC-SA.  (Last edit: 07/13/2020)</a:t>
+            </a:r>
+          </a:p>
+        </p:txBody>
+      </p:sp>
     </p:spTree>
     <p:extLst>
       <p:ext uri="{BB962C8B-B14F-4D97-AF65-F5344CB8AC3E}">
@@ -9111,7 +9429,15 @@
           <a:p>
             <a:r>
               <a:rPr lang="en-US" sz="1600" dirty="0"/>
-              <a:t>Traduzida para o português por Lucas Colonna</a:t>
+              <a:t>Traduzida para o português por Lucas Colonna e </a:t>
+            </a:r>
+            <a:r>
+              <a:rPr lang="en-US" sz="1600" dirty="0" err="1"/>
+              <a:t>revisado</a:t>
+            </a:r>
+            <a:r>
+              <a:rPr lang="en-US" sz="1600" dirty="0"/>
+              <a:t> por Anderson Harayashiki Moreira</a:t>
             </a:r>
           </a:p>
         </p:txBody>
@@ -9133,7 +9459,7 @@
           <a:p>
             <a:r>
               <a:rPr lang="en-US" dirty="0"/>
-              <a:t>Copyright © 2020 SPIKE Prime Lessons (primelessons.org) CC-BY-NC-SA.  (Last edit: 1/9/2020)</a:t>
+              <a:t>Copyright © 2020 SPIKE Prime Lessons (primelessons.org) CC-BY-NC-SA.  (Last edit: 07/13/2020)</a:t>
             </a:r>
           </a:p>
         </p:txBody>
@@ -9163,7 +9489,7 @@
           <a:effectLst/>
           <a:extLst>
             <a:ext uri="{91240B29-F687-4f45-9708-019B960494DF}">
-              <a14:hiddenLine xmlns:a14="http://schemas.microsoft.com/office/drawing/2010/main" xmlns="" w="9525">
+              <a14:hiddenLine xmlns="" xmlns:a14="http://schemas.microsoft.com/office/drawing/2010/main" w="9525">
                 <a:solidFill>
                   <a:schemeClr val="tx1"/>
                 </a:solidFill>
@@ -9173,7 +9499,7 @@
               </a14:hiddenLine>
             </a:ext>
             <a:ext uri="{AF507438-7753-43e0-B8FC-AC1667EBCBE1}">
-              <a14:hiddenEffects xmlns:a14="http://schemas.microsoft.com/office/drawing/2010/main" xmlns="">
+              <a14:hiddenEffects xmlns="" xmlns:a14="http://schemas.microsoft.com/office/drawing/2010/main">
                 <a:effectLst>
                   <a:outerShdw dist="35921" dir="2700000" algn="ctr" rotWithShape="0">
                     <a:schemeClr val="bg2"/>
@@ -9458,7 +9784,7 @@
           <a:noFill/>
           <a:extLst>
             <a:ext uri="{909E8E84-426E-40dd-AFC4-6F175D3DCCD1}">
-              <a14:hiddenFill xmlns:a14="http://schemas.microsoft.com/office/drawing/2010/main" xmlns="">
+              <a14:hiddenFill xmlns="" xmlns:a14="http://schemas.microsoft.com/office/drawing/2010/main">
                 <a:solidFill>
                   <a:srgbClr val="FFFFFF"/>
                 </a:solidFill>
